--- a/Architecture/Extension_techStack.pptx
+++ b/Architecture/Extension_techStack.pptx
@@ -1360,7 +1360,7 @@
           <a:p>
             <a:fld id="{846CE7D5-CF57-46EF-B807-FDD0502418D4}" type="datetimeFigureOut">
               <a:rPr lang="en-US" smtClean="0"/>
-              <a:t>10/24/2019</a:t>
+              <a:t>1/16/20</a:t>
             </a:fld>
             <a:endParaRPr lang="en-US"/>
           </a:p>
@@ -1530,7 +1530,7 @@
           <a:p>
             <a:fld id="{846CE7D5-CF57-46EF-B807-FDD0502418D4}" type="datetimeFigureOut">
               <a:rPr lang="en-US" smtClean="0"/>
-              <a:t>10/24/2019</a:t>
+              <a:t>1/16/20</a:t>
             </a:fld>
             <a:endParaRPr lang="en-US"/>
           </a:p>
@@ -1710,7 +1710,7 @@
           <a:p>
             <a:fld id="{846CE7D5-CF57-46EF-B807-FDD0502418D4}" type="datetimeFigureOut">
               <a:rPr lang="en-US" smtClean="0"/>
-              <a:t>10/24/2019</a:t>
+              <a:t>1/16/20</a:t>
             </a:fld>
             <a:endParaRPr lang="en-US"/>
           </a:p>
@@ -1880,7 +1880,7 @@
           <a:p>
             <a:fld id="{846CE7D5-CF57-46EF-B807-FDD0502418D4}" type="datetimeFigureOut">
               <a:rPr lang="en-US" smtClean="0"/>
-              <a:t>10/24/2019</a:t>
+              <a:t>1/16/20</a:t>
             </a:fld>
             <a:endParaRPr lang="en-US"/>
           </a:p>
@@ -2126,7 +2126,7 @@
           <a:p>
             <a:fld id="{846CE7D5-CF57-46EF-B807-FDD0502418D4}" type="datetimeFigureOut">
               <a:rPr lang="en-US" smtClean="0"/>
-              <a:t>10/24/2019</a:t>
+              <a:t>1/16/20</a:t>
             </a:fld>
             <a:endParaRPr lang="en-US"/>
           </a:p>
@@ -2358,7 +2358,7 @@
           <a:p>
             <a:fld id="{846CE7D5-CF57-46EF-B807-FDD0502418D4}" type="datetimeFigureOut">
               <a:rPr lang="en-US" smtClean="0"/>
-              <a:t>10/24/2019</a:t>
+              <a:t>1/16/20</a:t>
             </a:fld>
             <a:endParaRPr lang="en-US"/>
           </a:p>
@@ -2725,7 +2725,7 @@
           <a:p>
             <a:fld id="{846CE7D5-CF57-46EF-B807-FDD0502418D4}" type="datetimeFigureOut">
               <a:rPr lang="en-US" smtClean="0"/>
-              <a:t>10/24/2019</a:t>
+              <a:t>1/16/20</a:t>
             </a:fld>
             <a:endParaRPr lang="en-US"/>
           </a:p>
@@ -2843,7 +2843,7 @@
           <a:p>
             <a:fld id="{846CE7D5-CF57-46EF-B807-FDD0502418D4}" type="datetimeFigureOut">
               <a:rPr lang="en-US" smtClean="0"/>
-              <a:t>10/24/2019</a:t>
+              <a:t>1/16/20</a:t>
             </a:fld>
             <a:endParaRPr lang="en-US"/>
           </a:p>
@@ -2938,7 +2938,7 @@
           <a:p>
             <a:fld id="{846CE7D5-CF57-46EF-B807-FDD0502418D4}" type="datetimeFigureOut">
               <a:rPr lang="en-US" smtClean="0"/>
-              <a:t>10/24/2019</a:t>
+              <a:t>1/16/20</a:t>
             </a:fld>
             <a:endParaRPr lang="en-US"/>
           </a:p>
@@ -3215,7 +3215,7 @@
           <a:p>
             <a:fld id="{846CE7D5-CF57-46EF-B807-FDD0502418D4}" type="datetimeFigureOut">
               <a:rPr lang="en-US" smtClean="0"/>
-              <a:t>10/24/2019</a:t>
+              <a:t>1/16/20</a:t>
             </a:fld>
             <a:endParaRPr lang="en-US"/>
           </a:p>
@@ -3472,7 +3472,7 @@
           <a:p>
             <a:fld id="{846CE7D5-CF57-46EF-B807-FDD0502418D4}" type="datetimeFigureOut">
               <a:rPr lang="en-US" smtClean="0"/>
-              <a:t>10/24/2019</a:t>
+              <a:t>1/16/20</a:t>
             </a:fld>
             <a:endParaRPr lang="en-US"/>
           </a:p>
@@ -3685,7 +3685,7 @@
           <a:p>
             <a:fld id="{846CE7D5-CF57-46EF-B807-FDD0502418D4}" type="datetimeFigureOut">
               <a:rPr lang="en-US" smtClean="0"/>
-              <a:t>10/24/2019</a:t>
+              <a:t>1/16/20</a:t>
             </a:fld>
             <a:endParaRPr lang="en-US"/>
           </a:p>
@@ -4121,16 +4121,9 @@
                 <a:ea typeface="+mj-lt"/>
                 <a:cs typeface="+mj-lt"/>
               </a:rPr>
-              <a:t>Extension </a:t>
-            </a:r>
-            <a:r>
-              <a:rPr lang="en-US" dirty="0" err="1">
-                <a:ea typeface="+mj-lt"/>
-                <a:cs typeface="+mj-lt"/>
-              </a:rPr>
-              <a:t>TechStack</a:t>
-            </a:r>
-            <a:endParaRPr lang="en-US" dirty="0" err="1"/>
+              <a:t>Extension Tech Stack</a:t>
+            </a:r>
+            <a:endParaRPr lang="en-US" dirty="0"/>
           </a:p>
         </p:txBody>
       </p:sp>
